--- a/PNNL_Flyer_SoftwareCarpentry_2019-02-18.pptx
+++ b/PNNL_Flyer_SoftwareCarpentry_2019-02-18.pptx
@@ -211,7 +211,7 @@
           <a:p>
             <a:fld id="{566F51A3-093D-1C4D-A97E-F1FDED36B0BF}" type="datetimeFigureOut">
               <a:rPr lang="en-US" smtClean="0"/>
-              <a:t>7/8/18</a:t>
+              <a:t>1/28/19</a:t>
             </a:fld>
             <a:endParaRPr lang="en-US"/>
           </a:p>
@@ -376,7 +376,7 @@
           <a:p>
             <a:fld id="{17DF660C-547B-6447-B742-6F8949B29A2A}" type="datetimeFigureOut">
               <a:rPr lang="en-US" smtClean="0"/>
-              <a:t>7/8/18</a:t>
+              <a:t>1/28/19</a:t>
             </a:fld>
             <a:endParaRPr lang="en-US"/>
           </a:p>
@@ -1446,7 +1446,7 @@
                 <a:latin typeface="Arial"/>
                 <a:cs typeface="Arial"/>
               </a:rPr>
-              <a:t>9am-4:30pm July 19-20, 2018</a:t>
+              <a:t>9am-4:30pm February 18-19, 2019</a:t>
             </a:r>
           </a:p>
           <a:p>
@@ -1486,9 +1486,9 @@
         <p:grpSpPr>
           <a:xfrm>
             <a:off x="16779875" y="14249400"/>
-            <a:ext cx="5318125" cy="10267477"/>
+            <a:ext cx="5318125" cy="9426221"/>
             <a:chOff x="38701980" y="10535416"/>
-            <a:chExt cx="5318125" cy="10267477"/>
+            <a:chExt cx="5318125" cy="9426221"/>
           </a:xfrm>
         </p:grpSpPr>
         <p:sp>
@@ -1561,7 +1561,7 @@
           <p:spPr>
             <a:xfrm>
               <a:off x="39219505" y="10687816"/>
-              <a:ext cx="4800600" cy="10115077"/>
+              <a:ext cx="4800600" cy="9273821"/>
             </a:xfrm>
             <a:prstGeom prst="rect">
               <a:avLst/>
@@ -1593,9 +1593,14 @@
               </a:endParaRPr>
             </a:p>
             <a:p>
-              <a:endParaRPr lang="en-US" sz="2800" dirty="0">
+              <a:pPr>
+                <a:lnSpc>
+                  <a:spcPct val="110000"/>
+                </a:lnSpc>
+              </a:pPr>
+              <a:endParaRPr lang="en-US" sz="2400" b="1" dirty="0">
                 <a:solidFill>
-                  <a:srgbClr val="707276"/>
+                  <a:srgbClr val="D57500"/>
                 </a:solidFill>
                 <a:latin typeface="Arial"/>
                 <a:cs typeface="Arial"/>
@@ -1616,33 +1621,6 @@
                   <a:cs typeface="Arial"/>
                 </a:rPr>
                 <a:t>Administrator</a:t>
-              </a:r>
-            </a:p>
-            <a:p>
-              <a:pPr>
-                <a:lnSpc>
-                  <a:spcPct val="110000"/>
-                </a:lnSpc>
-              </a:pPr>
-              <a:r>
-                <a:rPr lang="en-US" sz="2400" dirty="0">
-                  <a:solidFill>
-                    <a:srgbClr val="707276"/>
-                  </a:solidFill>
-                  <a:latin typeface="Arial"/>
-                  <a:cs typeface="Arial"/>
-                </a:rPr>
-                <a:t>Ann </a:t>
-              </a:r>
-              <a:r>
-                <a:rPr lang="en-US" sz="2400" dirty="0" err="1">
-                  <a:solidFill>
-                    <a:srgbClr val="707276"/>
-                  </a:solidFill>
-                  <a:latin typeface="Arial"/>
-                  <a:cs typeface="Arial"/>
-                </a:rPr>
-                <a:t>Airey</a:t>
               </a:r>
               <a:endParaRPr lang="en-US" sz="2400" dirty="0">
                 <a:solidFill>
@@ -1666,7 +1644,7 @@
                   <a:latin typeface="Arial"/>
                   <a:cs typeface="Arial"/>
                 </a:rPr>
-                <a:t>(509) 371-7037</a:t>
+                <a:t>Jeremy Zucker</a:t>
               </a:r>
             </a:p>
             <a:p>
@@ -1684,7 +1662,7 @@
                   <a:cs typeface="Arial"/>
                   <a:hlinkClick r:id="rId3"/>
                 </a:rPr>
-                <a:t>ann.airey@pnnl.gov</a:t>
+                <a:t>Jeremy.Zucker@pnnl.gov</a:t>
               </a:r>
               <a:endParaRPr lang="en-US" sz="2400" dirty="0">
                 <a:solidFill>
@@ -1700,7 +1678,7 @@
                   <a:spcPct val="110000"/>
                 </a:lnSpc>
               </a:pPr>
-              <a:endParaRPr lang="en-US" sz="3200" dirty="0">
+              <a:endParaRPr lang="en-US" sz="2400" dirty="0">
                 <a:solidFill>
                   <a:srgbClr val="707276"/>
                 </a:solidFill>
@@ -1739,8 +1717,25 @@
                   <a:latin typeface="Arial"/>
                   <a:cs typeface="Arial"/>
                 </a:rPr>
-                <a:t>Kyle Monson</a:t>
+                <a:t>Kurt </a:t>
               </a:r>
+              <a:r>
+                <a:rPr lang="en-US" sz="2400" dirty="0" err="1">
+                  <a:solidFill>
+                    <a:srgbClr val="707276"/>
+                  </a:solidFill>
+                  <a:latin typeface="Arial"/>
+                  <a:cs typeface="Arial"/>
+                </a:rPr>
+                <a:t>Glaesemann</a:t>
+              </a:r>
+              <a:endParaRPr lang="en-US" sz="2400" dirty="0">
+                <a:solidFill>
+                  <a:srgbClr val="707276"/>
+                </a:solidFill>
+                <a:latin typeface="Arial"/>
+                <a:cs typeface="Arial"/>
+              </a:endParaRPr>
             </a:p>
             <a:p>
               <a:pPr>
@@ -1755,26 +1750,9 @@
                   </a:solidFill>
                   <a:latin typeface="Arial"/>
                   <a:cs typeface="Arial"/>
+                  <a:hlinkClick r:id="rId4"/>
                 </a:rPr>
-                <a:t>(509) 375-6379</a:t>
-              </a:r>
-            </a:p>
-            <a:p>
-              <a:pPr>
-                <a:lnSpc>
-                  <a:spcPct val="110000"/>
-                </a:lnSpc>
-              </a:pPr>
-              <a:r>
-                <a:rPr lang="en-US" sz="2400" dirty="0">
-                  <a:solidFill>
-                    <a:srgbClr val="707276"/>
-                  </a:solidFill>
-                  <a:latin typeface="Arial"/>
-                  <a:cs typeface="Arial"/>
-                  <a:hlinkClick r:id="rId3"/>
-                </a:rPr>
-                <a:t>Kyle.Monson@pnnl.gov</a:t>
+                <a:t>Kurt.Glaesemann@pnnl.gov</a:t>
               </a:r>
               <a:endParaRPr lang="en-US" sz="2400" dirty="0">
                 <a:solidFill>
@@ -1812,7 +1790,7 @@
                   <a:latin typeface="Arial"/>
                   <a:cs typeface="Arial"/>
                 </a:rPr>
-                <a:t>Jeremy Zucker</a:t>
+                <a:t>Jeremy Teuton</a:t>
               </a:r>
             </a:p>
             <a:p>
@@ -1828,26 +1806,9 @@
                   </a:solidFill>
                   <a:latin typeface="Arial"/>
                   <a:cs typeface="Arial"/>
+                  <a:hlinkClick r:id="rId5"/>
                 </a:rPr>
-                <a:t>(509) 371-7311</a:t>
-              </a:r>
-            </a:p>
-            <a:p>
-              <a:pPr>
-                <a:lnSpc>
-                  <a:spcPct val="110000"/>
-                </a:lnSpc>
-              </a:pPr>
-              <a:r>
-                <a:rPr lang="en-US" sz="2400" dirty="0">
-                  <a:solidFill>
-                    <a:srgbClr val="707276"/>
-                  </a:solidFill>
-                  <a:latin typeface="Arial"/>
-                  <a:cs typeface="Arial"/>
-                  <a:hlinkClick r:id="rId4"/>
-                </a:rPr>
-                <a:t>Jeremy.Zucker@pnnl.gov</a:t>
+                <a:t>Jeremy.Teuton@pnnl.gov</a:t>
               </a:r>
               <a:endParaRPr lang="en-US" sz="2400" dirty="0">
                 <a:solidFill>
@@ -1885,41 +1846,7 @@
                   <a:latin typeface="Arial"/>
                   <a:cs typeface="Arial"/>
                 </a:rPr>
-                <a:t>Carlos Ortiz-</a:t>
-              </a:r>
-              <a:r>
-                <a:rPr lang="en-US" sz="2400" dirty="0" err="1">
-                  <a:solidFill>
-                    <a:srgbClr val="707276"/>
-                  </a:solidFill>
-                  <a:latin typeface="Arial"/>
-                  <a:cs typeface="Arial"/>
-                </a:rPr>
-                <a:t>Morrero</a:t>
-              </a:r>
-              <a:endParaRPr lang="en-US" sz="2400" dirty="0">
-                <a:solidFill>
-                  <a:srgbClr val="707276"/>
-                </a:solidFill>
-                <a:latin typeface="Arial"/>
-                <a:cs typeface="Arial"/>
-              </a:endParaRPr>
-            </a:p>
-            <a:p>
-              <a:pPr>
-                <a:lnSpc>
-                  <a:spcPct val="110000"/>
-                </a:lnSpc>
-              </a:pPr>
-              <a:r>
-                <a:rPr lang="en-US" sz="2400" dirty="0">
-                  <a:solidFill>
-                    <a:srgbClr val="707276"/>
-                  </a:solidFill>
-                  <a:latin typeface="Arial"/>
-                  <a:cs typeface="Arial"/>
-                </a:rPr>
-                <a:t>(509) 371-7543</a:t>
+                <a:t>Juan Brandi-Lozano</a:t>
               </a:r>
               <a:endParaRPr lang="en-US" sz="2400" dirty="0">
                 <a:solidFill>
@@ -1941,9 +1868,9 @@
                   <a:latin typeface="Arial" charset="0"/>
                   <a:ea typeface="Arial" charset="0"/>
                   <a:cs typeface="Arial" charset="0"/>
-                  <a:hlinkClick r:id="rId5"/>
+                  <a:hlinkClick r:id="rId6"/>
                 </a:rPr>
-                <a:t>Carlos.OrtizMarrero@pnnl.gov</a:t>
+                <a:t>Juan.Brandi-Lozano@pnnl.gov</a:t>
               </a:r>
               <a:endParaRPr lang="en-US" sz="2400" dirty="0"/>
             </a:p>
@@ -1953,6 +1880,58 @@
                   <a:spcPct val="110000"/>
                 </a:lnSpc>
               </a:pPr>
+              <a:endParaRPr lang="en-US" sz="2400" dirty="0">
+                <a:solidFill>
+                  <a:srgbClr val="707276"/>
+                </a:solidFill>
+                <a:latin typeface="Arial"/>
+                <a:cs typeface="Arial"/>
+              </a:endParaRPr>
+            </a:p>
+            <a:p>
+              <a:pPr>
+                <a:lnSpc>
+                  <a:spcPct val="110000"/>
+                </a:lnSpc>
+              </a:pPr>
+              <a:r>
+                <a:rPr lang="en-US" sz="2400" dirty="0" err="1">
+                  <a:solidFill>
+                    <a:srgbClr val="707276"/>
+                  </a:solidFill>
+                  <a:latin typeface="Arial"/>
+                  <a:cs typeface="Arial"/>
+                </a:rPr>
+                <a:t>Balwinder</a:t>
+              </a:r>
+              <a:r>
+                <a:rPr lang="en-US" sz="2400" dirty="0">
+                  <a:solidFill>
+                    <a:srgbClr val="707276"/>
+                  </a:solidFill>
+                  <a:latin typeface="Arial"/>
+                  <a:cs typeface="Arial"/>
+                </a:rPr>
+                <a:t> Singh</a:t>
+              </a:r>
+            </a:p>
+            <a:p>
+              <a:pPr>
+                <a:lnSpc>
+                  <a:spcPct val="110000"/>
+                </a:lnSpc>
+              </a:pPr>
+              <a:r>
+                <a:rPr lang="en-US" sz="2400" dirty="0">
+                  <a:solidFill>
+                    <a:srgbClr val="707276"/>
+                  </a:solidFill>
+                  <a:latin typeface="Arial"/>
+                  <a:cs typeface="Arial"/>
+                  <a:hlinkClick r:id="rId7"/>
+                </a:rPr>
+                <a:t>Balwinder.Singh@pnnl.gov</a:t>
+              </a:r>
               <a:endParaRPr lang="en-US" sz="2400" dirty="0">
                 <a:solidFill>
                   <a:srgbClr val="707276"/>
@@ -2057,14 +2036,14 @@
           <a:effectLst/>
           <a:extLst>
             <a:ext uri="{909E8E84-426E-40dd-AFC4-6F175D3DCCD1}">
-              <a14:hiddenFill xmlns="" xmlns:a14="http://schemas.microsoft.com/office/drawing/2010/main">
+              <a14:hiddenFill xmlns:a14="http://schemas.microsoft.com/office/drawing/2010/main" xmlns="">
                 <a:solidFill>
                   <a:schemeClr val="accent1"/>
                 </a:solidFill>
               </a14:hiddenFill>
             </a:ext>
             <a:ext uri="{91240B29-F687-4f45-9708-019B960494DF}">
-              <a14:hiddenLine xmlns="" xmlns:a14="http://schemas.microsoft.com/office/drawing/2010/main" w="9525">
+              <a14:hiddenLine xmlns:a14="http://schemas.microsoft.com/office/drawing/2010/main" xmlns="" w="9525">
                 <a:solidFill>
                   <a:schemeClr val="tx1"/>
                 </a:solidFill>
@@ -2074,7 +2053,7 @@
               </a14:hiddenLine>
             </a:ext>
             <a:ext uri="{AF507438-7753-43e0-B8FC-AC1667EBCBE1}">
-              <a14:hiddenEffects xmlns="" xmlns:a14="http://schemas.microsoft.com/office/drawing/2010/main">
+              <a14:hiddenEffects xmlns:a14="http://schemas.microsoft.com/office/drawing/2010/main" xmlns="">
                 <a:effectLst>
                   <a:outerShdw dist="35921" dir="2700000" algn="ctr" rotWithShape="0">
                     <a:schemeClr val="bg2"/>
@@ -2106,7 +2085,7 @@
           <p:nvPr/>
         </p:nvPicPr>
         <p:blipFill>
-          <a:blip r:embed="rId6">
+          <a:blip r:embed="rId8">
             <a:extLst>
               <a:ext uri="{28A0092B-C50C-407E-A947-70E740481C1C}">
                 <a14:useLocalDpi xmlns:a14="http://schemas.microsoft.com/office/drawing/2010/main" val="0"/>
@@ -2129,7 +2108,7 @@
           <a:noFill/>
           <a:extLst>
             <a:ext uri="{909E8E84-426E-40dd-AFC4-6F175D3DCCD1}">
-              <a14:hiddenFill xmlns="" xmlns:a14="http://schemas.microsoft.com/office/drawing/2010/main">
+              <a14:hiddenFill xmlns:a14="http://schemas.microsoft.com/office/drawing/2010/main" xmlns="">
                 <a:solidFill>
                   <a:srgbClr val="FFFFFF"/>
                 </a:solidFill>
@@ -2200,10 +2179,9 @@
               <a:t>pnnl-compbio.github.io</a:t>
             </a:r>
             <a:r>
-              <a:rPr lang="en-US"/>
-              <a:t>/2018-07-19-PNNL-SWC/</a:t>
-            </a:r>
-            <a:endParaRPr lang="en-US" dirty="0"/>
+              <a:rPr lang="en-US" dirty="0"/>
+              <a:t>/2019-02-18-PNNL-SWC/</a:t>
+            </a:r>
           </a:p>
           <a:p>
             <a:r>
@@ -2230,7 +2208,7 @@
             </a:r>
             <a:r>
               <a:rPr lang="en-US" u="sng" dirty="0">
-                <a:hlinkClick r:id="rId7"/>
+                <a:hlinkClick r:id="rId9"/>
               </a:rPr>
               <a:t>https://software-carpentry.org/pages/audience.html</a:t>
             </a:r>
@@ -2378,9 +2356,9 @@
             </a:r>
             <a:r>
               <a:rPr lang="en-US" u="sng" dirty="0">
-                <a:hlinkClick r:id="rId8"/>
+                <a:hlinkClick r:id="rId10"/>
               </a:rPr>
-              <a:t>https://pnnl-compbio.github.io/2018-07-19-PNNL-SWC/</a:t>
+              <a:t>https://pnnl-compbio.github.io/2019-02-18-PNNL-SWC/</a:t>
             </a:r>
             <a:endParaRPr lang="en-US" dirty="0"/>
           </a:p>
@@ -2443,8 +2421,12 @@
           </a:p>
           <a:p>
             <a:r>
+              <a:rPr lang="en-US"/>
+              <a:t>https</a:t>
+            </a:r>
+            <a:r>
               <a:rPr lang="en-US" dirty="0"/>
-              <a:t>. https://</a:t>
+              <a:t>://</a:t>
             </a:r>
             <a:r>
               <a:rPr lang="en-US" dirty="0" err="1"/>
@@ -2452,7 +2434,7 @@
             </a:r>
             <a:r>
               <a:rPr lang="en-US" dirty="0"/>
-              <a:t>/2018-07-19-PNNL-SWC/</a:t>
+              <a:t>/2019-02-18-PNNL-SWC/</a:t>
             </a:r>
           </a:p>
           <a:p>
@@ -3403,6 +3385,21 @@
 </file>
 
 <file path=customXml/item1.xml><?xml version="1.0" encoding="utf-8"?>
+<?mso-contentType ?>
+<FormTemplates xmlns="http://schemas.microsoft.com/sharepoint/v3/contenttype/forms">
+  <Display>DocumentLibraryForm</Display>
+  <Edit>DocumentLibraryForm</Edit>
+  <New>DocumentLibraryForm</New>
+</FormTemplates>
+</file>
+
+<file path=customXml/item2.xml><?xml version="1.0" encoding="utf-8"?>
+<p:properties xmlns:p="http://schemas.microsoft.com/office/2006/metadata/properties" xmlns:xsi="http://www.w3.org/2001/XMLSchema-instance" xmlns:pc="http://schemas.microsoft.com/office/infopath/2007/PartnerControls">
+  <documentManagement/>
+</p:properties>
+</file>
+
+<file path=customXml/item3.xml><?xml version="1.0" encoding="utf-8"?>
 <ct:contentTypeSchema xmlns:ct="http://schemas.microsoft.com/office/2006/metadata/contentType" xmlns:ma="http://schemas.microsoft.com/office/2006/metadata/properties/metaAttributes" ct:_="" ma:_="" ma:contentTypeName="Unknown Document Type" ma:contentTypeID="0x010104" ma:contentTypeVersion="0" ma:contentTypeDescription="" ma:contentTypeScope="" ma:versionID="05d83ceaa0bbd2e3bc716e6e66bd857a">
   <xsd:schema xmlns:xsd="http://www.w3.org/2001/XMLSchema" xmlns:xs="http://www.w3.org/2001/XMLSchema" xmlns:p="http://schemas.microsoft.com/office/2006/metadata/properties" targetNamespace="http://schemas.microsoft.com/office/2006/metadata/properties" ma:root="true" ma:fieldsID="b3d69fe45253d5ff147bb69036b756a7">
     <xsd:element name="properties">
@@ -3516,33 +3513,10 @@
 </ct:contentTypeSchema>
 </file>
 
-<file path=customXml/item2.xml><?xml version="1.0" encoding="utf-8"?>
-<p:properties xmlns:p="http://schemas.microsoft.com/office/2006/metadata/properties" xmlns:xsi="http://www.w3.org/2001/XMLSchema-instance" xmlns:pc="http://schemas.microsoft.com/office/infopath/2007/PartnerControls">
-  <documentManagement/>
-</p:properties>
-</file>
-
-<file path=customXml/item3.xml><?xml version="1.0" encoding="utf-8"?>
-<?mso-contentType ?>
-<FormTemplates xmlns="http://schemas.microsoft.com/sharepoint/v3/contenttype/forms">
-  <Display>DocumentLibraryForm</Display>
-  <Edit>DocumentLibraryForm</Edit>
-  <New>DocumentLibraryForm</New>
-</FormTemplates>
-</file>
-
 <file path=customXml/itemProps1.xml><?xml version="1.0" encoding="utf-8"?>
-<ds:datastoreItem xmlns:ds="http://schemas.openxmlformats.org/officeDocument/2006/customXml" ds:itemID="{B41D5DFC-7D4A-4CBD-B3BC-69EB5001A37E}">
+<ds:datastoreItem xmlns:ds="http://schemas.openxmlformats.org/officeDocument/2006/customXml" ds:itemID="{AD21BFAB-5382-4EC6-856E-8B283008FA1A}">
   <ds:schemaRefs>
-    <ds:schemaRef ds:uri="http://schemas.microsoft.com/office/2006/metadata/contentType"/>
-    <ds:schemaRef ds:uri="http://schemas.microsoft.com/office/2006/metadata/properties/metaAttributes"/>
-    <ds:schemaRef ds:uri="http://www.w3.org/2001/XMLSchema"/>
-    <ds:schemaRef ds:uri="http://schemas.microsoft.com/office/2006/metadata/properties"/>
-    <ds:schemaRef ds:uri="http://schemas.openxmlformats.org/package/2006/metadata/core-properties"/>
-    <ds:schemaRef ds:uri="http://purl.org/dc/elements/1.1/"/>
-    <ds:schemaRef ds:uri="http://purl.org/dc/terms/"/>
-    <ds:schemaRef ds:uri="http://schemas.microsoft.com/internal/obd"/>
-    <ds:schemaRef ds:uri="http://schemas.microsoft.com/office/infopath/2007/PartnerControls"/>
+    <ds:schemaRef ds:uri="http://schemas.microsoft.com/sharepoint/v3/contenttype/forms"/>
   </ds:schemaRefs>
 </ds:datastoreItem>
 </file>
@@ -3563,9 +3537,17 @@
 </file>
 
 <file path=customXml/itemProps3.xml><?xml version="1.0" encoding="utf-8"?>
-<ds:datastoreItem xmlns:ds="http://schemas.openxmlformats.org/officeDocument/2006/customXml" ds:itemID="{AD21BFAB-5382-4EC6-856E-8B283008FA1A}">
+<ds:datastoreItem xmlns:ds="http://schemas.openxmlformats.org/officeDocument/2006/customXml" ds:itemID="{B41D5DFC-7D4A-4CBD-B3BC-69EB5001A37E}">
   <ds:schemaRefs>
-    <ds:schemaRef ds:uri="http://schemas.microsoft.com/sharepoint/v3/contenttype/forms"/>
+    <ds:schemaRef ds:uri="http://schemas.microsoft.com/office/2006/metadata/contentType"/>
+    <ds:schemaRef ds:uri="http://schemas.microsoft.com/office/2006/metadata/properties/metaAttributes"/>
+    <ds:schemaRef ds:uri="http://www.w3.org/2001/XMLSchema"/>
+    <ds:schemaRef ds:uri="http://schemas.microsoft.com/office/2006/metadata/properties"/>
+    <ds:schemaRef ds:uri="http://schemas.openxmlformats.org/package/2006/metadata/core-properties"/>
+    <ds:schemaRef ds:uri="http://purl.org/dc/elements/1.1/"/>
+    <ds:schemaRef ds:uri="http://purl.org/dc/terms/"/>
+    <ds:schemaRef ds:uri="http://schemas.microsoft.com/internal/obd"/>
+    <ds:schemaRef ds:uri="http://schemas.microsoft.com/office/infopath/2007/PartnerControls"/>
   </ds:schemaRefs>
 </ds:datastoreItem>
 </file>
--- a/PNNL_Flyer_SoftwareCarpentry_2019-02-18.pptx
+++ b/PNNL_Flyer_SoftwareCarpentry_2019-02-18.pptx
@@ -1486,9 +1486,9 @@
         <p:grpSpPr>
           <a:xfrm>
             <a:off x="16779875" y="14249400"/>
-            <a:ext cx="5318125" cy="9426221"/>
+            <a:ext cx="5318125" cy="9155377"/>
             <a:chOff x="38701980" y="10535416"/>
-            <a:chExt cx="5318125" cy="9426221"/>
+            <a:chExt cx="5318125" cy="9155377"/>
           </a:xfrm>
         </p:grpSpPr>
         <p:sp>
@@ -1560,8 +1560,8 @@
           </p:nvSpPr>
           <p:spPr>
             <a:xfrm>
-              <a:off x="39219505" y="10687816"/>
-              <a:ext cx="4800600" cy="9273821"/>
+              <a:off x="39006780" y="10687816"/>
+              <a:ext cx="5013325" cy="9002977"/>
             </a:xfrm>
             <a:prstGeom prst="rect">
               <a:avLst/>
@@ -1587,86 +1587,6 @@
               <a:endParaRPr lang="en-US" sz="2400" b="1" dirty="0">
                 <a:solidFill>
                   <a:srgbClr val="D57500"/>
-                </a:solidFill>
-                <a:latin typeface="Arial"/>
-                <a:cs typeface="Arial"/>
-              </a:endParaRPr>
-            </a:p>
-            <a:p>
-              <a:pPr>
-                <a:lnSpc>
-                  <a:spcPct val="110000"/>
-                </a:lnSpc>
-              </a:pPr>
-              <a:endParaRPr lang="en-US" sz="2400" b="1" dirty="0">
-                <a:solidFill>
-                  <a:srgbClr val="D57500"/>
-                </a:solidFill>
-                <a:latin typeface="Arial"/>
-                <a:cs typeface="Arial"/>
-              </a:endParaRPr>
-            </a:p>
-            <a:p>
-              <a:pPr>
-                <a:lnSpc>
-                  <a:spcPct val="110000"/>
-                </a:lnSpc>
-              </a:pPr>
-              <a:r>
-                <a:rPr lang="en-US" sz="2400" b="1" dirty="0">
-                  <a:solidFill>
-                    <a:srgbClr val="D57500"/>
-                  </a:solidFill>
-                  <a:latin typeface="Arial"/>
-                  <a:cs typeface="Arial"/>
-                </a:rPr>
-                <a:t>Administrator</a:t>
-              </a:r>
-              <a:endParaRPr lang="en-US" sz="2400" dirty="0">
-                <a:solidFill>
-                  <a:srgbClr val="707276"/>
-                </a:solidFill>
-                <a:latin typeface="Arial"/>
-                <a:cs typeface="Arial"/>
-              </a:endParaRPr>
-            </a:p>
-            <a:p>
-              <a:pPr>
-                <a:lnSpc>
-                  <a:spcPct val="110000"/>
-                </a:lnSpc>
-              </a:pPr>
-              <a:r>
-                <a:rPr lang="en-US" sz="2400" dirty="0">
-                  <a:solidFill>
-                    <a:srgbClr val="707276"/>
-                  </a:solidFill>
-                  <a:latin typeface="Arial"/>
-                  <a:cs typeface="Arial"/>
-                </a:rPr>
-                <a:t>Jeremy Zucker</a:t>
-              </a:r>
-            </a:p>
-            <a:p>
-              <a:pPr>
-                <a:lnSpc>
-                  <a:spcPct val="110000"/>
-                </a:lnSpc>
-              </a:pPr>
-              <a:r>
-                <a:rPr lang="en-US" sz="2400" dirty="0">
-                  <a:solidFill>
-                    <a:srgbClr val="707276"/>
-                  </a:solidFill>
-                  <a:latin typeface="Arial"/>
-                  <a:cs typeface="Arial"/>
-                  <a:hlinkClick r:id="rId3"/>
-                </a:rPr>
-                <a:t>Jeremy.Zucker@pnnl.gov</a:t>
-              </a:r>
-              <a:endParaRPr lang="en-US" sz="2400" dirty="0">
-                <a:solidFill>
-                  <a:srgbClr val="707276"/>
                 </a:solidFill>
                 <a:latin typeface="Arial"/>
                 <a:cs typeface="Arial"/>
@@ -1750,7 +1670,7 @@
                   </a:solidFill>
                   <a:latin typeface="Arial"/>
                   <a:cs typeface="Arial"/>
-                  <a:hlinkClick r:id="rId4"/>
+                  <a:hlinkClick r:id="rId3"/>
                 </a:rPr>
                 <a:t>Kurt.Glaesemann@pnnl.gov</a:t>
               </a:r>
@@ -1806,7 +1726,7 @@
                   </a:solidFill>
                   <a:latin typeface="Arial"/>
                   <a:cs typeface="Arial"/>
-                  <a:hlinkClick r:id="rId5"/>
+                  <a:hlinkClick r:id="rId4"/>
                 </a:rPr>
                 <a:t>Jeremy.Teuton@pnnl.gov</a:t>
               </a:r>
@@ -1868,11 +1788,91 @@
                   <a:latin typeface="Arial" charset="0"/>
                   <a:ea typeface="Arial" charset="0"/>
                   <a:cs typeface="Arial" charset="0"/>
-                  <a:hlinkClick r:id="rId6"/>
+                  <a:hlinkClick r:id="rId5"/>
                 </a:rPr>
                 <a:t>Juan.Brandi-Lozano@pnnl.gov</a:t>
               </a:r>
               <a:endParaRPr lang="en-US" sz="2400" dirty="0"/>
+            </a:p>
+            <a:p>
+              <a:pPr>
+                <a:lnSpc>
+                  <a:spcPct val="110000"/>
+                </a:lnSpc>
+              </a:pPr>
+              <a:endParaRPr lang="en-US" sz="2400" b="1" dirty="0">
+                <a:solidFill>
+                  <a:srgbClr val="D57500"/>
+                </a:solidFill>
+                <a:latin typeface="Arial"/>
+                <a:cs typeface="Arial"/>
+              </a:endParaRPr>
+            </a:p>
+            <a:p>
+              <a:pPr>
+                <a:lnSpc>
+                  <a:spcPct val="110000"/>
+                </a:lnSpc>
+              </a:pPr>
+              <a:r>
+                <a:rPr lang="en-US" sz="2400" b="1" dirty="0">
+                  <a:solidFill>
+                    <a:srgbClr val="D57500"/>
+                  </a:solidFill>
+                  <a:latin typeface="Arial"/>
+                  <a:cs typeface="Arial"/>
+                </a:rPr>
+                <a:t>Helpers</a:t>
+              </a:r>
+              <a:endParaRPr lang="en-US" sz="2400" dirty="0">
+                <a:solidFill>
+                  <a:srgbClr val="707276"/>
+                </a:solidFill>
+                <a:latin typeface="Arial"/>
+                <a:cs typeface="Arial"/>
+              </a:endParaRPr>
+            </a:p>
+            <a:p>
+              <a:pPr>
+                <a:lnSpc>
+                  <a:spcPct val="110000"/>
+                </a:lnSpc>
+              </a:pPr>
+              <a:r>
+                <a:rPr lang="en-US" sz="2400" dirty="0">
+                  <a:solidFill>
+                    <a:srgbClr val="707276"/>
+                  </a:solidFill>
+                  <a:latin typeface="Arial"/>
+                  <a:cs typeface="Arial"/>
+                </a:rPr>
+                <a:t>Jeremy Zucker</a:t>
+              </a:r>
+            </a:p>
+            <a:p>
+              <a:pPr>
+                <a:lnSpc>
+                  <a:spcPct val="110000"/>
+                </a:lnSpc>
+              </a:pPr>
+              <a:r>
+                <a:rPr lang="en-US" sz="2400" dirty="0">
+                  <a:solidFill>
+                    <a:srgbClr val="707276"/>
+                  </a:solidFill>
+                  <a:latin typeface="Arial"/>
+                  <a:cs typeface="Arial"/>
+                  <a:hlinkClick r:id="rId6"/>
+                </a:rPr>
+                <a:t>Jeremy.Zucker@pnnl.gov</a:t>
+              </a:r>
+              <a:endParaRPr lang="en-US" sz="2400" dirty="0">
+                <a:solidFill>
+                  <a:srgbClr val="707276"/>
+                </a:solidFill>
+                <a:latin typeface="Arial"/>
+                <a:cs typeface="Arial"/>
+              </a:endParaRPr>
             </a:p>
             <a:p>
               <a:pPr>
@@ -2421,12 +2421,8 @@
           </a:p>
           <a:p>
             <a:r>
-              <a:rPr lang="en-US"/>
-              <a:t>https</a:t>
-            </a:r>
-            <a:r>
               <a:rPr lang="en-US" dirty="0"/>
-              <a:t>://</a:t>
+              <a:t>https://</a:t>
             </a:r>
             <a:r>
               <a:rPr lang="en-US" dirty="0" err="1"/>
